--- a/Projet JavaScript.pptx
+++ b/Projet JavaScript.pptx
@@ -116,10 +116,6 @@
     </p:ext>
   </p:extLst>
 </p:presentation>
-</file>
-
-<file path=ppt/revisionInfo.xml><?xml version="1.0" encoding="utf-8"?>
-<p1510:revInfo xmlns:a="http://schemas.openxmlformats.org/drawingml/2006/main" xmlns:r="http://schemas.openxmlformats.org/officeDocument/2006/relationships" xmlns:p1510="http://schemas.microsoft.com/office/powerpoint/2015/10/main"/>
 </file>
 
 <file path=ppt/slideLayouts/slideLayout1.xml><?xml version="1.0" encoding="utf-8"?>
@@ -6670,6 +6666,35 @@
           </a:p>
         </p:txBody>
       </p:sp>
+      <p:sp>
+        <p:nvSpPr>
+          <p:cNvPr id="4" name="ZoneTexte 3"/>
+          <p:cNvSpPr txBox="1"/>
+          <p:nvPr/>
+        </p:nvSpPr>
+        <p:spPr>
+          <a:xfrm>
+            <a:off x="10652288" y="783651"/>
+            <a:ext cx="312906" cy="369332"/>
+          </a:xfrm>
+          <a:prstGeom prst="rect">
+            <a:avLst/>
+          </a:prstGeom>
+          <a:noFill/>
+        </p:spPr>
+        <p:txBody>
+          <a:bodyPr wrap="none" rtlCol="0">
+            <a:spAutoFit/>
+          </a:bodyPr>
+          <a:lstStyle/>
+          <a:p>
+            <a:r>
+              <a:rPr lang="fr-FR" dirty="0"/>
+              <a:t>6</a:t>
+            </a:r>
+          </a:p>
+        </p:txBody>
+      </p:sp>
     </p:spTree>
     <p:extLst>
       <p:ext uri="{BB962C8B-B14F-4D97-AF65-F5344CB8AC3E}">
@@ -6717,7 +6742,7 @@
           <a:p>
             <a:r>
               <a:rPr lang="fr-FR" dirty="0"/>
-              <a:t>Facilitée</a:t>
+              <a:t>Les facilités</a:t>
             </a:r>
             <a:br>
               <a:rPr lang="fr-FR" dirty="0"/>
@@ -6769,7 +6794,36 @@
           <a:p>
             <a:r>
               <a:rPr lang="fr-FR" sz="2400" dirty="0"/>
-              <a:t>Tableaux symboles </a:t>
+              <a:t>Tableaux  de symboles </a:t>
+            </a:r>
+          </a:p>
+        </p:txBody>
+      </p:sp>
+      <p:sp>
+        <p:nvSpPr>
+          <p:cNvPr id="4" name="ZoneTexte 3"/>
+          <p:cNvSpPr txBox="1"/>
+          <p:nvPr/>
+        </p:nvSpPr>
+        <p:spPr>
+          <a:xfrm>
+            <a:off x="10633435" y="783651"/>
+            <a:ext cx="312906" cy="369332"/>
+          </a:xfrm>
+          <a:prstGeom prst="rect">
+            <a:avLst/>
+          </a:prstGeom>
+          <a:noFill/>
+        </p:spPr>
+        <p:txBody>
+          <a:bodyPr wrap="none" rtlCol="0">
+            <a:spAutoFit/>
+          </a:bodyPr>
+          <a:lstStyle/>
+          <a:p>
+            <a:r>
+              <a:rPr lang="fr-FR" dirty="0"/>
+              <a:t>7</a:t>
             </a:r>
           </a:p>
         </p:txBody>
